--- a/Slides/Unit 2/CS8392-U2-ObjectClass.pptx
+++ b/Slides/Unit 2/CS8392-U2-ObjectClass.pptx
@@ -196,7 +196,7 @@
             <a:fld id="{9515075B-F3F0-4441-A1BD-B7B515B708FF}" type="datetimeFigureOut">
               <a:rPr lang="en-US" smtClean="0"/>
               <a:pPr/>
-              <a:t>7/31/2018</a:t>
+              <a:t>8/9/2018</a:t>
             </a:fld>
             <a:endParaRPr lang="en-US"/>
           </a:p>
@@ -651,7 +651,7 @@
             <a:fld id="{6E658DF8-B8C0-4C7F-85EB-B53A2DDD44A9}" type="datetimeFigureOut">
               <a:rPr lang="en-US" smtClean="0"/>
               <a:pPr/>
-              <a:t>7/31/2018</a:t>
+              <a:t>8/9/2018</a:t>
             </a:fld>
             <a:endParaRPr lang="en-US"/>
           </a:p>
@@ -818,7 +818,7 @@
             <a:fld id="{6E658DF8-B8C0-4C7F-85EB-B53A2DDD44A9}" type="datetimeFigureOut">
               <a:rPr lang="en-US" smtClean="0"/>
               <a:pPr/>
-              <a:t>7/31/2018</a:t>
+              <a:t>8/9/2018</a:t>
             </a:fld>
             <a:endParaRPr lang="en-US"/>
           </a:p>
@@ -995,7 +995,7 @@
             <a:fld id="{6E658DF8-B8C0-4C7F-85EB-B53A2DDD44A9}" type="datetimeFigureOut">
               <a:rPr lang="en-US" smtClean="0"/>
               <a:pPr/>
-              <a:t>7/31/2018</a:t>
+              <a:t>8/9/2018</a:t>
             </a:fld>
             <a:endParaRPr lang="en-US"/>
           </a:p>
@@ -1194,7 +1194,7 @@
             <a:fld id="{6E658DF8-B8C0-4C7F-85EB-B53A2DDD44A9}" type="datetimeFigureOut">
               <a:rPr lang="en-US" smtClean="0"/>
               <a:pPr/>
-              <a:t>7/31/2018</a:t>
+              <a:t>8/9/2018</a:t>
             </a:fld>
             <a:endParaRPr lang="en-US"/>
           </a:p>
@@ -1437,7 +1437,7 @@
             <a:fld id="{6E658DF8-B8C0-4C7F-85EB-B53A2DDD44A9}" type="datetimeFigureOut">
               <a:rPr lang="en-US" smtClean="0"/>
               <a:pPr/>
-              <a:t>7/31/2018</a:t>
+              <a:t>8/9/2018</a:t>
             </a:fld>
             <a:endParaRPr lang="en-US"/>
           </a:p>
@@ -1722,7 +1722,7 @@
             <a:fld id="{6E658DF8-B8C0-4C7F-85EB-B53A2DDD44A9}" type="datetimeFigureOut">
               <a:rPr lang="en-US" smtClean="0"/>
               <a:pPr/>
-              <a:t>7/31/2018</a:t>
+              <a:t>8/9/2018</a:t>
             </a:fld>
             <a:endParaRPr lang="en-US"/>
           </a:p>
@@ -2141,7 +2141,7 @@
             <a:fld id="{6E658DF8-B8C0-4C7F-85EB-B53A2DDD44A9}" type="datetimeFigureOut">
               <a:rPr lang="en-US" smtClean="0"/>
               <a:pPr/>
-              <a:t>7/31/2018</a:t>
+              <a:t>8/9/2018</a:t>
             </a:fld>
             <a:endParaRPr lang="en-US"/>
           </a:p>
@@ -2256,7 +2256,7 @@
             <a:fld id="{6E658DF8-B8C0-4C7F-85EB-B53A2DDD44A9}" type="datetimeFigureOut">
               <a:rPr lang="en-US" smtClean="0"/>
               <a:pPr/>
-              <a:t>7/31/2018</a:t>
+              <a:t>8/9/2018</a:t>
             </a:fld>
             <a:endParaRPr lang="en-US"/>
           </a:p>
@@ -2348,7 +2348,7 @@
             <a:fld id="{6E658DF8-B8C0-4C7F-85EB-B53A2DDD44A9}" type="datetimeFigureOut">
               <a:rPr lang="en-US" smtClean="0"/>
               <a:pPr/>
-              <a:t>7/31/2018</a:t>
+              <a:t>8/9/2018</a:t>
             </a:fld>
             <a:endParaRPr lang="en-US"/>
           </a:p>
@@ -2622,7 +2622,7 @@
             <a:fld id="{6E658DF8-B8C0-4C7F-85EB-B53A2DDD44A9}" type="datetimeFigureOut">
               <a:rPr lang="en-US" smtClean="0"/>
               <a:pPr/>
-              <a:t>7/31/2018</a:t>
+              <a:t>8/9/2018</a:t>
             </a:fld>
             <a:endParaRPr lang="en-US"/>
           </a:p>
@@ -2872,7 +2872,7 @@
             <a:fld id="{6E658DF8-B8C0-4C7F-85EB-B53A2DDD44A9}" type="datetimeFigureOut">
               <a:rPr lang="en-US" smtClean="0"/>
               <a:pPr/>
-              <a:t>7/31/2018</a:t>
+              <a:t>8/9/2018</a:t>
             </a:fld>
             <a:endParaRPr lang="en-US"/>
           </a:p>
@@ -3088,7 +3088,7 @@
             <a:fld id="{6E658DF8-B8C0-4C7F-85EB-B53A2DDD44A9}" type="datetimeFigureOut">
               <a:rPr lang="en-US" smtClean="0"/>
               <a:pPr/>
-              <a:t>7/31/2018</a:t>
+              <a:t>8/9/2018</a:t>
             </a:fld>
             <a:endParaRPr lang="en-US"/>
           </a:p>
@@ -3832,7 +3832,6 @@
               <a:rPr lang="en-IN" dirty="0" smtClean="0"/>
               <a:t>()</a:t>
             </a:r>
-            <a:endParaRPr lang="en-IN" dirty="0" smtClean="0"/>
           </a:p>
           <a:p>
             <a:pPr lvl="2"/>
@@ -3871,11 +3870,7 @@
             <a:pPr lvl="1"/>
             <a:r>
               <a:rPr lang="en-IN" dirty="0" smtClean="0"/>
-              <a:t>e</a:t>
-            </a:r>
-            <a:r>
-              <a:rPr lang="en-IN" dirty="0" smtClean="0"/>
-              <a:t>quals()</a:t>
+              <a:t>equals()</a:t>
             </a:r>
           </a:p>
           <a:p>
@@ -3907,11 +3902,7 @@
             <a:pPr lvl="1"/>
             <a:r>
               <a:rPr lang="en-IN" dirty="0" err="1" smtClean="0"/>
-              <a:t>f</a:t>
-            </a:r>
-            <a:r>
-              <a:rPr lang="en-IN" dirty="0" err="1" smtClean="0"/>
-              <a:t>inallze</a:t>
+              <a:t>finallze</a:t>
             </a:r>
             <a:r>
               <a:rPr lang="en-IN" dirty="0" smtClean="0"/>
@@ -3931,7 +3922,6 @@
               <a:rPr lang="en-IN" dirty="0" smtClean="0"/>
               <a:t>It called before the automatic garbage collector .</a:t>
             </a:r>
-            <a:endParaRPr lang="en-IN" dirty="0" smtClean="0"/>
           </a:p>
         </p:txBody>
       </p:sp>
